--- a/Presentacioìn_Proyectos_ADSI ConfeWare.pptx
+++ b/Presentacioìn_Proyectos_ADSI ConfeWare.pptx
@@ -127,7 +127,7 @@
   </p:defaultTextStyle>
   <p:extLst>
     <p:ext uri="{EFAFB233-063F-42B5-8137-9DF3F51BA10A}">
-      <p15:sldGuideLst xmlns="" xmlns:p15="http://schemas.microsoft.com/office/powerpoint/2012/main">
+      <p15:sldGuideLst xmlns:p15="http://schemas.microsoft.com/office/powerpoint/2012/main" xmlns="">
         <p15:guide id="1" orient="horz" pos="2160">
           <p15:clr>
             <a:srgbClr val="A4A3A4"/>
@@ -141,7 +141,7 @@
       </p15:sldGuideLst>
     </p:ext>
     <p:ext uri="{2D200454-40CA-4A62-9FC3-DE9A4176ACB9}">
-      <p15:notesGuideLst xmlns="" xmlns:p15="http://schemas.microsoft.com/office/powerpoint/2012/main">
+      <p15:notesGuideLst xmlns:p15="http://schemas.microsoft.com/office/powerpoint/2012/main" xmlns="">
         <p15:guide id="1" orient="horz" pos="2880">
           <p15:clr>
             <a:srgbClr val="A4A3A4"/>
@@ -241,7 +241,7 @@
             <a:fld id="{4E4206E0-8F38-491F-8DD8-9DEF31DAB11E}" type="datetimeFigureOut">
               <a:rPr lang="es-CO" smtClean="0"/>
               <a:pPr/>
-              <a:t>20/09/2016</a:t>
+              <a:t>07/12/2016</a:t>
             </a:fld>
             <a:endParaRPr lang="es-CO"/>
           </a:p>
@@ -408,7 +408,7 @@
             <a:fld id="{AE7E15B5-955E-4B5B-9E1F-B3C4B4C6AE0C}" type="datetimeFigureOut">
               <a:rPr lang="es-CO" smtClean="0"/>
               <a:pPr/>
-              <a:t>20/09/2016</a:t>
+              <a:t>07/12/2016</a:t>
             </a:fld>
             <a:endParaRPr lang="es-CO"/>
           </a:p>
@@ -751,7 +751,7 @@
             <a:fld id="{483D03DC-5ED8-7A42-A55E-C10C004AFC42}" type="datetimeFigureOut">
               <a:rPr lang="es-ES" smtClean="0"/>
               <a:pPr/>
-              <a:t>20/09/2016</a:t>
+              <a:t>07/12/2016</a:t>
             </a:fld>
             <a:endParaRPr lang="es-ES"/>
           </a:p>
@@ -1422,7 +1422,7 @@
             <a:fld id="{483D03DC-5ED8-7A42-A55E-C10C004AFC42}" type="datetimeFigureOut">
               <a:rPr lang="es-ES" smtClean="0"/>
               <a:pPr/>
-              <a:t>20/09/2016</a:t>
+              <a:t>07/12/2016</a:t>
             </a:fld>
             <a:endParaRPr lang="es-ES" dirty="0"/>
           </a:p>
@@ -1583,7 +1583,7 @@
             <a:fld id="{483D03DC-5ED8-7A42-A55E-C10C004AFC42}" type="datetimeFigureOut">
               <a:rPr lang="es-ES" smtClean="0"/>
               <a:pPr/>
-              <a:t>20/09/2016</a:t>
+              <a:t>07/12/2016</a:t>
             </a:fld>
             <a:endParaRPr lang="es-ES"/>
           </a:p>
@@ -2115,7 +2115,7 @@
             <a:fld id="{483D03DC-5ED8-7A42-A55E-C10C004AFC42}" type="datetimeFigureOut">
               <a:rPr lang="es-ES" smtClean="0"/>
               <a:pPr/>
-              <a:t>20/09/2016</a:t>
+              <a:t>07/12/2016</a:t>
             </a:fld>
             <a:endParaRPr lang="es-ES"/>
           </a:p>
@@ -2650,7 +2650,7 @@
             <a:fld id="{483D03DC-5ED8-7A42-A55E-C10C004AFC42}" type="datetimeFigureOut">
               <a:rPr lang="es-ES" smtClean="0"/>
               <a:pPr/>
-              <a:t>20/09/2016</a:t>
+              <a:t>07/12/2016</a:t>
             </a:fld>
             <a:endParaRPr lang="es-ES"/>
           </a:p>
@@ -2882,7 +2882,7 @@
             <a:fld id="{483D03DC-5ED8-7A42-A55E-C10C004AFC42}" type="datetimeFigureOut">
               <a:rPr lang="es-ES" smtClean="0"/>
               <a:pPr/>
-              <a:t>20/09/2016</a:t>
+              <a:t>07/12/2016</a:t>
             </a:fld>
             <a:endParaRPr lang="es-ES"/>
           </a:p>
@@ -3562,7 +3562,7 @@
             <a:fld id="{483D03DC-5ED8-7A42-A55E-C10C004AFC42}" type="datetimeFigureOut">
               <a:rPr lang="es-ES" smtClean="0"/>
               <a:pPr/>
-              <a:t>20/09/2016</a:t>
+              <a:t>07/12/2016</a:t>
             </a:fld>
             <a:endParaRPr lang="es-ES" dirty="0"/>
           </a:p>
@@ -3659,7 +3659,7 @@
             <a:fld id="{483D03DC-5ED8-7A42-A55E-C10C004AFC42}" type="datetimeFigureOut">
               <a:rPr lang="es-ES" smtClean="0"/>
               <a:pPr/>
-              <a:t>20/09/2016</a:t>
+              <a:t>07/12/2016</a:t>
             </a:fld>
             <a:endParaRPr lang="es-ES"/>
           </a:p>
@@ -4206,7 +4206,7 @@
             <a:fld id="{483D03DC-5ED8-7A42-A55E-C10C004AFC42}" type="datetimeFigureOut">
               <a:rPr lang="es-ES" smtClean="0"/>
               <a:pPr/>
-              <a:t>20/09/2016</a:t>
+              <a:t>07/12/2016</a:t>
             </a:fld>
             <a:endParaRPr lang="es-ES"/>
           </a:p>
@@ -5125,7 +5125,7 @@
             <a:fld id="{483D03DC-5ED8-7A42-A55E-C10C004AFC42}" type="datetimeFigureOut">
               <a:rPr lang="es-ES" smtClean="0"/>
               <a:pPr/>
-              <a:t>20/09/2016</a:t>
+              <a:t>07/12/2016</a:t>
             </a:fld>
             <a:endParaRPr lang="es-ES" dirty="0"/>
           </a:p>
@@ -5286,7 +5286,7 @@
             <a:fld id="{483D03DC-5ED8-7A42-A55E-C10C004AFC42}" type="datetimeFigureOut">
               <a:rPr lang="es-ES" smtClean="0"/>
               <a:pPr/>
-              <a:t>20/09/2016</a:t>
+              <a:t>07/12/2016</a:t>
             </a:fld>
             <a:endParaRPr lang="es-ES"/>
           </a:p>
@@ -5818,7 +5818,7 @@
             <a:fld id="{483D03DC-5ED8-7A42-A55E-C10C004AFC42}" type="datetimeFigureOut">
               <a:rPr lang="es-ES" smtClean="0"/>
               <a:pPr/>
-              <a:t>20/09/2016</a:t>
+              <a:t>07/12/2016</a:t>
             </a:fld>
             <a:endParaRPr lang="es-ES"/>
           </a:p>
@@ -6379,7 +6379,7 @@
             <a:fld id="{483D03DC-5ED8-7A42-A55E-C10C004AFC42}" type="datetimeFigureOut">
               <a:rPr lang="es-ES" smtClean="0"/>
               <a:pPr/>
-              <a:t>20/09/2016</a:t>
+              <a:t>07/12/2016</a:t>
             </a:fld>
             <a:endParaRPr lang="es-ES"/>
           </a:p>
@@ -10869,11 +10869,7 @@
             </a:pPr>
             <a:r>
               <a:rPr lang="es-ES" sz="2400" dirty="0" smtClean="0"/>
-              <a:t>Sistema </a:t>
-            </a:r>
-            <a:r>
-              <a:rPr lang="es-ES" sz="2400" dirty="0" smtClean="0"/>
-              <a:t>Operativo      Windows.</a:t>
+              <a:t>Sistema Operativo      Windows.</a:t>
             </a:r>
           </a:p>
           <a:p>
@@ -11027,8 +11023,13 @@
             </a:pPr>
             <a:r>
               <a:rPr lang="es-ES" sz="2400" dirty="0" smtClean="0"/>
-              <a:t>Software de base de datos es PostgreSQL.</a:t>
-            </a:r>
+              <a:t>Software de base de datos es </a:t>
+            </a:r>
+            <a:r>
+              <a:rPr lang="es-ES" sz="2400" dirty="0" err="1" smtClean="0"/>
+              <a:t>MySQL</a:t>
+            </a:r>
+            <a:endParaRPr lang="es-ES" sz="2400" dirty="0" smtClean="0"/>
           </a:p>
           <a:p>
             <a:pPr marL="342900" indent="-342900">
@@ -11478,29 +11479,7 @@
                   </a:outerShdw>
                 </a:effectLst>
               </a:rPr>
-              <a:t>Diagrama de </a:t>
-            </a:r>
-            <a:r>
-              <a:rPr lang="es-CO" sz="4000" b="1" dirty="0" smtClean="0">
-                <a:ln w="13462">
-                  <a:solidFill>
-                    <a:schemeClr val="bg1"/>
-                  </a:solidFill>
-                  <a:prstDash val="solid"/>
-                </a:ln>
-                <a:solidFill>
-                  <a:schemeClr val="tx1">
-                    <a:lumMod val="85000"/>
-                    <a:lumOff val="15000"/>
-                  </a:schemeClr>
-                </a:solidFill>
-                <a:effectLst>
-                  <a:outerShdw dist="38100" dir="2700000" algn="bl" rotWithShape="0">
-                    <a:schemeClr val="accent5"/>
-                  </a:outerShdw>
-                </a:effectLst>
-              </a:rPr>
-              <a:t>Clases</a:t>
+              <a:t>Diagrama de Clases</a:t>
             </a:r>
             <a:endParaRPr lang="es-CO" sz="4000" b="1" dirty="0">
               <a:ln w="13462">
@@ -11632,29 +11611,7 @@
                   </a:outerShdw>
                 </a:effectLst>
               </a:rPr>
-              <a:t>Diagram</a:t>
-            </a:r>
-            <a:r>
-              <a:rPr lang="es-CO" sz="4000" b="1" dirty="0" smtClean="0">
-                <a:ln w="13462">
-                  <a:solidFill>
-                    <a:schemeClr val="bg1"/>
-                  </a:solidFill>
-                  <a:prstDash val="solid"/>
-                </a:ln>
-                <a:solidFill>
-                  <a:schemeClr val="tx1">
-                    <a:lumMod val="85000"/>
-                    <a:lumOff val="15000"/>
-                  </a:schemeClr>
-                </a:solidFill>
-                <a:effectLst>
-                  <a:outerShdw dist="38100" dir="2700000" algn="bl" rotWithShape="0">
-                    <a:schemeClr val="accent5"/>
-                  </a:outerShdw>
-                </a:effectLst>
-              </a:rPr>
-              <a:t>a de componentes</a:t>
+              <a:t>Diagrama de componentes</a:t>
             </a:r>
             <a:endParaRPr lang="es-CO" sz="4000" b="1" dirty="0">
               <a:ln w="13462">
@@ -11700,50 +11657,6 @@
           <a:lstStyle/>
           <a:p>
             <a:pPr algn="ctr"/>
-            <a:r>
-              <a:rPr lang="es-CO" sz="4000" b="1" dirty="0" smtClean="0">
-                <a:ln w="13462">
-                  <a:solidFill>
-                    <a:schemeClr val="bg1"/>
-                  </a:solidFill>
-                  <a:prstDash val="solid"/>
-                </a:ln>
-                <a:solidFill>
-                  <a:schemeClr val="tx1">
-                    <a:lumMod val="85000"/>
-                    <a:lumOff val="15000"/>
-                  </a:schemeClr>
-                </a:solidFill>
-                <a:effectLst>
-                  <a:outerShdw dist="38100" dir="2700000" algn="bl" rotWithShape="0">
-                    <a:schemeClr val="accent5"/>
-                  </a:outerShdw>
-                </a:effectLst>
-              </a:rPr>
-              <a:t>Modelo de </a:t>
-            </a:r>
-            <a:r>
-              <a:rPr lang="es-CO" sz="4000" b="1" dirty="0" err="1" smtClean="0">
-                <a:ln w="13462">
-                  <a:solidFill>
-                    <a:schemeClr val="bg1"/>
-                  </a:solidFill>
-                  <a:prstDash val="solid"/>
-                </a:ln>
-                <a:solidFill>
-                  <a:schemeClr val="tx1">
-                    <a:lumMod val="85000"/>
-                    <a:lumOff val="15000"/>
-                  </a:schemeClr>
-                </a:solidFill>
-                <a:effectLst>
-                  <a:outerShdw dist="38100" dir="2700000" algn="bl" rotWithShape="0">
-                    <a:schemeClr val="accent5"/>
-                  </a:outerShdw>
-                </a:effectLst>
-              </a:rPr>
-              <a:t>Canvas</a:t>
-            </a:r>
             <a:endParaRPr lang="es-CO" sz="4000" b="1" dirty="0">
               <a:ln w="13462">
                 <a:solidFill>
@@ -13436,12 +13349,36 @@
               <a:buChar char="v"/>
             </a:pPr>
             <a:r>
-              <a:rPr lang="es-CO" sz="2400" dirty="0"/>
+              <a:rPr lang="es-CO" sz="2800" dirty="0"/>
               <a:t>Registrar las fichas </a:t>
             </a:r>
             <a:r>
-              <a:rPr lang="es-CO" sz="2400" dirty="0" smtClean="0"/>
-              <a:t>técnicas del proceso de diseño.</a:t>
+              <a:rPr lang="es-CO" sz="2800" dirty="0" smtClean="0"/>
+              <a:t>técnicas del proceso de </a:t>
+            </a:r>
+            <a:r>
+              <a:rPr lang="es-CO" sz="2800" dirty="0" smtClean="0"/>
+              <a:t>diseño, patronaje, trazo </a:t>
+            </a:r>
+            <a:r>
+              <a:rPr lang="es-CO" sz="2800" dirty="0" smtClean="0"/>
+              <a:t>y </a:t>
+            </a:r>
+            <a:r>
+              <a:rPr lang="es-CO" sz="2800" dirty="0" smtClean="0"/>
+              <a:t>corte, materiales </a:t>
+            </a:r>
+            <a:r>
+              <a:rPr lang="es-CO" sz="2800" dirty="0" smtClean="0"/>
+              <a:t>e </a:t>
+            </a:r>
+            <a:r>
+              <a:rPr lang="es-CO" sz="2800" dirty="0" smtClean="0"/>
+              <a:t>insumos y de </a:t>
+            </a:r>
+            <a:r>
+              <a:rPr lang="es-CO" sz="2800" dirty="0" smtClean="0"/>
+              <a:t>producción.</a:t>
             </a:r>
           </a:p>
           <a:p>
@@ -13450,12 +13387,12 @@
               <a:buChar char="v"/>
             </a:pPr>
             <a:r>
-              <a:rPr lang="es-CO" sz="2400" dirty="0"/>
-              <a:t>Registrar las fichas técnicas </a:t>
-            </a:r>
-            <a:r>
-              <a:rPr lang="es-CO" sz="2400" dirty="0" smtClean="0"/>
-              <a:t>del proceso de Patronaje.</a:t>
+              <a:rPr lang="es-CO" sz="2800" dirty="0" smtClean="0"/>
+              <a:t>Establecer </a:t>
+            </a:r>
+            <a:r>
+              <a:rPr lang="es-CO" sz="2800" dirty="0" smtClean="0"/>
+              <a:t>los tiempos reales para la fabricación de una prenda.</a:t>
             </a:r>
           </a:p>
           <a:p>
@@ -13464,67 +13401,7 @@
               <a:buChar char="v"/>
             </a:pPr>
             <a:r>
-              <a:rPr lang="es-CO" sz="2400" dirty="0"/>
-              <a:t>Registrar las fichas técnicas </a:t>
-            </a:r>
-            <a:r>
-              <a:rPr lang="es-CO" sz="2400" dirty="0" smtClean="0"/>
-              <a:t>del proceso de trazo y corte.</a:t>
-            </a:r>
-          </a:p>
-          <a:p>
-            <a:pPr>
-              <a:buFont typeface="Wingdings" panose="05000000000000000000" pitchFamily="2" charset="2"/>
-              <a:buChar char="v"/>
-            </a:pPr>
-            <a:r>
-              <a:rPr lang="es-CO" sz="2400" dirty="0"/>
-              <a:t>Registrar las fichas técnicas </a:t>
-            </a:r>
-            <a:r>
-              <a:rPr lang="es-CO" sz="2400" dirty="0" smtClean="0"/>
-              <a:t>del proceso de materiales e insumos.</a:t>
-            </a:r>
-          </a:p>
-          <a:p>
-            <a:pPr>
-              <a:buFont typeface="Wingdings" panose="05000000000000000000" pitchFamily="2" charset="2"/>
-              <a:buChar char="v"/>
-            </a:pPr>
-            <a:r>
-              <a:rPr lang="es-CO" sz="2400" dirty="0"/>
-              <a:t>Registrar las fichas técnicas </a:t>
-            </a:r>
-            <a:r>
-              <a:rPr lang="es-CO" sz="2400" dirty="0" smtClean="0"/>
-              <a:t>del </a:t>
-            </a:r>
-            <a:r>
-              <a:rPr lang="es-CO" sz="2400" dirty="0"/>
-              <a:t>proceso </a:t>
-            </a:r>
-            <a:r>
-              <a:rPr lang="es-CO" sz="2400" dirty="0" smtClean="0"/>
-              <a:t>de producción.</a:t>
-            </a:r>
-          </a:p>
-          <a:p>
-            <a:pPr>
-              <a:buFont typeface="Wingdings" panose="05000000000000000000" pitchFamily="2" charset="2"/>
-              <a:buChar char="v"/>
-            </a:pPr>
-            <a:r>
-              <a:rPr lang="es-CO" sz="2400" dirty="0" smtClean="0"/>
-              <a:t>establecer los tiempos reales para la fabricación de una prenda.</a:t>
-            </a:r>
-          </a:p>
-          <a:p>
-            <a:pPr>
-              <a:buFont typeface="Wingdings" panose="05000000000000000000" pitchFamily="2" charset="2"/>
-              <a:buChar char="v"/>
-            </a:pPr>
-            <a:r>
-              <a:rPr lang="es-CO" sz="2400" dirty="0" smtClean="0"/>
+              <a:rPr lang="es-CO" sz="2800" dirty="0" smtClean="0"/>
               <a:t>Mejorar la eficiencia en los procesos de confección para asegurar mayor productividad.</a:t>
             </a:r>
           </a:p>
@@ -14158,8 +14035,8 @@
         </p:nvSpPr>
         <p:spPr>
           <a:xfrm>
-            <a:off x="607186" y="2720167"/>
-            <a:ext cx="8119564" cy="2215991"/>
+            <a:off x="686012" y="2016931"/>
+            <a:ext cx="8119564" cy="5109091"/>
           </a:xfrm>
           <a:prstGeom prst="rect">
             <a:avLst/>
@@ -14176,13 +14053,82 @@
               <a:buChar char="•"/>
             </a:pPr>
             <a:r>
-              <a:rPr lang="es-CO" sz="2000" dirty="0" smtClean="0">
+              <a:rPr lang="es-CO" sz="2400" dirty="0">
                 <a:solidFill>
                   <a:srgbClr val="444444"/>
                 </a:solidFill>
               </a:rPr>
-              <a:t>La finalidad de este proyecto es poder comercializar el software a los microempresarios, para que de esta manera puedan obtener una mayor eficiencia en su producción.</a:t>
-            </a:r>
+              <a:t>A futuro añadiremos algunas otras funciones en el sistema como:</a:t>
+            </a:r>
+          </a:p>
+          <a:p>
+            <a:r>
+              <a:rPr lang="es-CO" sz="2400" dirty="0" smtClean="0">
+                <a:solidFill>
+                  <a:srgbClr val="444444"/>
+                </a:solidFill>
+              </a:rPr>
+              <a:t>	- </a:t>
+            </a:r>
+            <a:r>
+              <a:rPr lang="es-CO" sz="2400" dirty="0">
+                <a:solidFill>
+                  <a:srgbClr val="444444"/>
+                </a:solidFill>
+              </a:rPr>
+              <a:t>Inventario de materia prima</a:t>
+            </a:r>
+          </a:p>
+          <a:p>
+            <a:r>
+              <a:rPr lang="es-CO" sz="2400" dirty="0" smtClean="0">
+                <a:solidFill>
+                  <a:srgbClr val="444444"/>
+                </a:solidFill>
+              </a:rPr>
+              <a:t>	- </a:t>
+            </a:r>
+            <a:r>
+              <a:rPr lang="es-CO" sz="2400" dirty="0">
+                <a:solidFill>
+                  <a:srgbClr val="444444"/>
+                </a:solidFill>
+              </a:rPr>
+              <a:t>Gestión de la cadena de suministros</a:t>
+            </a:r>
+          </a:p>
+          <a:p>
+            <a:r>
+              <a:rPr lang="es-CO" sz="2400" dirty="0" smtClean="0">
+                <a:solidFill>
+                  <a:srgbClr val="444444"/>
+                </a:solidFill>
+              </a:rPr>
+              <a:t>	- </a:t>
+            </a:r>
+            <a:r>
+              <a:rPr lang="es-CO" sz="2400" dirty="0">
+                <a:solidFill>
+                  <a:srgbClr val="444444"/>
+                </a:solidFill>
+              </a:rPr>
+              <a:t>Pedidos de Ventas</a:t>
+            </a:r>
+          </a:p>
+          <a:p>
+            <a:r>
+              <a:rPr lang="es-CO" sz="2400" dirty="0" smtClean="0">
+                <a:solidFill>
+                  <a:srgbClr val="444444"/>
+                </a:solidFill>
+              </a:rPr>
+              <a:t>	- Contabilidad</a:t>
+            </a:r>
+            <a:endParaRPr lang="es-CO" sz="2400" dirty="0" smtClean="0">
+              <a:solidFill>
+                <a:srgbClr val="444444"/>
+              </a:solidFill>
+            </a:endParaRPr>
           </a:p>
           <a:p>
             <a:pPr marL="285750" indent="-285750">
@@ -14190,7 +14136,29 @@
               <a:buChar char="•"/>
             </a:pPr>
             <a:r>
-              <a:rPr lang="es-CO" sz="2000" dirty="0" smtClean="0">
+              <a:rPr lang="es-CO" sz="2400" dirty="0" smtClean="0">
+                <a:solidFill>
+                  <a:srgbClr val="444444"/>
+                </a:solidFill>
+              </a:rPr>
+              <a:t>La </a:t>
+            </a:r>
+            <a:r>
+              <a:rPr lang="es-CO" sz="2400" dirty="0" smtClean="0">
+                <a:solidFill>
+                  <a:srgbClr val="444444"/>
+                </a:solidFill>
+              </a:rPr>
+              <a:t>finalidad de este proyecto es poder comercializar el software a los microempresarios, para que de esta manera puedan obtener una mayor eficiencia en su producción.</a:t>
+            </a:r>
+          </a:p>
+          <a:p>
+            <a:pPr marL="285750" indent="-285750">
+              <a:buFont typeface="Arial" panose="020B0604020202020204" pitchFamily="34" charset="0"/>
+              <a:buChar char="•"/>
+            </a:pPr>
+            <a:r>
+              <a:rPr lang="es-CO" sz="2400" dirty="0" smtClean="0">
                 <a:solidFill>
                   <a:srgbClr val="444444"/>
                 </a:solidFill>
@@ -14198,7 +14166,7 @@
               <a:t>Con </a:t>
             </a:r>
             <a:r>
-              <a:rPr lang="es-CO" sz="2000" dirty="0">
+              <a:rPr lang="es-CO" sz="2400" dirty="0">
                 <a:solidFill>
                   <a:srgbClr val="444444"/>
                 </a:solidFill>
@@ -14206,7 +14174,7 @@
               <a:t>esta aplicación </a:t>
             </a:r>
             <a:r>
-              <a:rPr lang="es-CO" sz="2000" dirty="0" smtClean="0">
+              <a:rPr lang="es-CO" sz="2400" dirty="0" smtClean="0">
                 <a:solidFill>
                   <a:srgbClr val="444444"/>
                 </a:solidFill>
@@ -14214,7 +14182,7 @@
               <a:t>también se ayudaría </a:t>
             </a:r>
             <a:r>
-              <a:rPr lang="es-CO" sz="2000" dirty="0">
+              <a:rPr lang="es-CO" sz="2400" dirty="0">
                 <a:solidFill>
                   <a:srgbClr val="444444"/>
                 </a:solidFill>
@@ -14222,7 +14190,7 @@
               <a:t>a muchos </a:t>
             </a:r>
             <a:r>
-              <a:rPr lang="es-CO" sz="2000" dirty="0" smtClean="0">
+              <a:rPr lang="es-CO" sz="2400" dirty="0" smtClean="0">
                 <a:solidFill>
                   <a:srgbClr val="444444"/>
                 </a:solidFill>
@@ -14230,7 +14198,7 @@
               <a:t>aprendices, </a:t>
             </a:r>
             <a:r>
-              <a:rPr lang="es-CO" sz="2000" dirty="0">
+              <a:rPr lang="es-CO" sz="2400" dirty="0">
                 <a:solidFill>
                   <a:srgbClr val="444444"/>
                 </a:solidFill>
@@ -14238,13 +14206,20 @@
               <a:t>ya que ellos no </a:t>
             </a:r>
             <a:r>
-              <a:rPr lang="es-CO" sz="2000" dirty="0" smtClean="0">
+              <a:rPr lang="es-CO" sz="2400" dirty="0" smtClean="0">
                 <a:solidFill>
                   <a:srgbClr val="444444"/>
                 </a:solidFill>
               </a:rPr>
               <a:t>tienen una organización estándar que les ayude a la hora de producir una prenda. </a:t>
             </a:r>
+            <a:endParaRPr lang="es-CO" sz="2400" dirty="0" smtClean="0">
+              <a:solidFill>
+                <a:srgbClr val="444444"/>
+              </a:solidFill>
+            </a:endParaRPr>
+          </a:p>
+          <a:p>
             <a:endParaRPr lang="es-CO" sz="2000" dirty="0">
               <a:solidFill>
                 <a:srgbClr val="444444"/>
